--- a/Travis-CI-LiamNorman.pptx
+++ b/Travis-CI-LiamNorman.pptx
@@ -40,6 +40,7 @@
     <p:sldId id="285" r:id="rId37"/>
     <p:sldId id="286" r:id="rId38"/>
     <p:sldId id="287" r:id="rId39"/>
+    <p:sldId id="288" r:id="rId40"/>
   </p:sldIdLst>
   <p:sldSz cx="13004800" cy="9753600"/>
   <p:notesSz cx="6858000" cy="9144000"/>
@@ -7724,7 +7725,113 @@
       </p:grpSpPr>
       <p:sp>
         <p:nvSpPr>
-          <p:cNvPr id="261" name="THANKS"/>
+          <p:cNvPr id="261" name="Talk Materials"/>
+          <p:cNvSpPr txBox="1"/>
+          <p:nvPr>
+            <p:ph type="title"/>
+          </p:nvPr>
+        </p:nvSpPr>
+        <p:spPr>
+          <a:prstGeom prst="rect">
+            <a:avLst/>
+          </a:prstGeom>
+        </p:spPr>
+        <p:txBody>
+          <a:bodyPr/>
+          <a:lstStyle>
+            <a:lvl1pPr defTabSz="467359">
+              <a:spcBef>
+                <a:spcPts val="2200"/>
+              </a:spcBef>
+              <a:defRPr sz="4800"/>
+            </a:lvl1pPr>
+          </a:lstStyle>
+          <a:p>
+            <a:pPr/>
+            <a:r>
+              <a:t>Talk Materials</a:t>
+            </a:r>
+          </a:p>
+        </p:txBody>
+      </p:sp>
+      <p:sp>
+        <p:nvSpPr>
+          <p:cNvPr id="262" name="View the talk materials online here including all the configuration files discussed for my sample travis application - https://github.com/LiamNorman/TravisCITalk-PHPAugust2017"/>
+          <p:cNvSpPr txBox="1"/>
+          <p:nvPr>
+            <p:ph type="body" idx="1"/>
+          </p:nvPr>
+        </p:nvSpPr>
+        <p:spPr>
+          <a:prstGeom prst="rect">
+            <a:avLst/>
+          </a:prstGeom>
+        </p:spPr>
+        <p:txBody>
+          <a:bodyPr/>
+          <a:lstStyle/>
+          <a:p>
+            <a:pPr>
+              <a:buClrTx/>
+              <a:buSzPct val="40000"/>
+              <a:buFontTx/>
+              <a:buBlip>
+                <a:blip r:embed="rId2"/>
+              </a:buBlip>
+              <a:defRPr>
+                <a:solidFill>
+                  <a:srgbClr val="FFFFFF"/>
+                </a:solidFill>
+                <a:latin typeface="Arial"/>
+                <a:ea typeface="Arial"/>
+                <a:cs typeface="Arial"/>
+                <a:sym typeface="Arial"/>
+              </a:defRPr>
+            </a:pPr>
+            <a:r>
+              <a:t>View the talk materials online here including all the configuration files discussed for my sample travis application - </a:t>
+            </a:r>
+            <a:r>
+              <a:rPr u="sng">
+                <a:solidFill>
+                  <a:schemeClr val="accent1"/>
+                </a:solidFill>
+                <a:hlinkClick r:id="rId3" invalidUrl="" action="" tgtFrame="" tooltip="" history="1" highlightClick="0" endSnd="0"/>
+              </a:rPr>
+              <a:t>https://github.com/LiamNorman/TravisCITalk-PHPAugust2017</a:t>
+            </a:r>
+          </a:p>
+        </p:txBody>
+      </p:sp>
+    </p:spTree>
+  </p:cSld>
+  <p:clrMapOvr>
+    <a:masterClrMapping/>
+  </p:clrMapOvr>
+  <p:transition xmlns:p14="http://schemas.microsoft.com/office/powerpoint/2010/main" spd="med" advClick="1"/>
+</p:sld>
+</file>
+
+<file path=ppt/slides/slide33.xml><?xml version="1.0" encoding="utf-8"?>
+<p:sld xmlns:a="http://schemas.openxmlformats.org/drawingml/2006/main" xmlns:r="http://schemas.openxmlformats.org/officeDocument/2006/relationships" xmlns:p="http://schemas.openxmlformats.org/presentationml/2006/main" showMasterSp="1" showMasterPhAnim="1">
+  <p:cSld>
+    <p:spTree>
+      <p:nvGrpSpPr>
+        <p:cNvPr id="1" name=""/>
+        <p:cNvGrpSpPr/>
+        <p:nvPr/>
+      </p:nvGrpSpPr>
+      <p:grpSpPr>
+        <a:xfrm>
+          <a:off x="0" y="0"/>
+          <a:ext cx="0" cy="0"/>
+          <a:chOff x="0" y="0"/>
+          <a:chExt cx="0" cy="0"/>
+        </a:xfrm>
+      </p:grpSpPr>
+      <p:sp>
+        <p:nvSpPr>
+          <p:cNvPr id="264" name="THANKS"/>
           <p:cNvSpPr txBox="1"/>
           <p:nvPr>
             <p:ph type="title"/>
